--- a/开题/开题报告.pptx
+++ b/开题/开题报告.pptx
@@ -215,7 +215,7 @@
           <a:p>
             <a:fld id="{D2A48B96-639E-45A3-A0BA-2464DFDB1FAA}" type="datetimeFigureOut">
               <a:rPr lang="zh-CN" altLang="en-US" smtClean="0"/>
-              <a:t>2020/3/23</a:t>
+              <a:t>2020/4/29</a:t>
             </a:fld>
             <a:endParaRPr lang="zh-CN" altLang="en-US"/>
           </a:p>
@@ -3272,7 +3272,7 @@
                 <a:ea typeface="宋体" panose="02010600030101010101" pitchFamily="2" charset="-122"/>
                 <a:cs typeface="+mn-cs"/>
               </a:rPr>
-              <a:t>2020/3/23</a:t>
+              <a:t>2020/4/29</a:t>
             </a:fld>
             <a:endParaRPr lang="zh-CN" altLang="en-US" strike="noStrike" noProof="1"/>
           </a:p>
@@ -3497,7 +3497,7 @@
                 <a:ea typeface="宋体" panose="02010600030101010101" pitchFamily="2" charset="-122"/>
                 <a:cs typeface="+mn-cs"/>
               </a:rPr>
-              <a:t>2020/3/23</a:t>
+              <a:t>2020/4/29</a:t>
             </a:fld>
             <a:endParaRPr lang="zh-CN" altLang="en-US" strike="noStrike" noProof="1"/>
           </a:p>
@@ -3896,7 +3896,7 @@
           <a:p>
             <a:fld id="{760FBDFE-C587-4B4C-A407-44438C67B59E}" type="datetimeFigureOut">
               <a:rPr lang="zh-CN" altLang="en-US" smtClean="0"/>
-              <a:t>2020/3/23</a:t>
+              <a:t>2020/4/29</a:t>
             </a:fld>
             <a:endParaRPr lang="zh-CN" altLang="en-US"/>
           </a:p>
@@ -4097,7 +4097,7 @@
           <a:p>
             <a:fld id="{760FBDFE-C587-4B4C-A407-44438C67B59E}" type="datetimeFigureOut">
               <a:rPr lang="zh-CN" altLang="en-US" smtClean="0"/>
-              <a:t>2020/3/23</a:t>
+              <a:t>2020/4/29</a:t>
             </a:fld>
             <a:endParaRPr lang="zh-CN" altLang="en-US"/>
           </a:p>
@@ -4238,7 +4238,7 @@
           <a:p>
             <a:fld id="{760FBDFE-C587-4B4C-A407-44438C67B59E}" type="datetimeFigureOut">
               <a:rPr lang="zh-CN" altLang="en-US" smtClean="0"/>
-              <a:t>2020/3/23</a:t>
+              <a:t>2020/4/29</a:t>
             </a:fld>
             <a:endParaRPr lang="zh-CN" altLang="en-US"/>
           </a:p>
@@ -4521,7 +4521,7 @@
           <a:p>
             <a:fld id="{760FBDFE-C587-4B4C-A407-44438C67B59E}" type="datetimeFigureOut">
               <a:rPr lang="zh-CN" altLang="en-US" smtClean="0"/>
-              <a:t>2020/3/23</a:t>
+              <a:t>2020/4/29</a:t>
             </a:fld>
             <a:endParaRPr lang="zh-CN" altLang="en-US"/>
           </a:p>
@@ -4908,7 +4908,7 @@
           <a:p>
             <a:fld id="{760FBDFE-C587-4B4C-A407-44438C67B59E}" type="datetimeFigureOut">
               <a:rPr lang="zh-CN" altLang="en-US" smtClean="0"/>
-              <a:t>2020/3/23</a:t>
+              <a:t>2020/4/29</a:t>
             </a:fld>
             <a:endParaRPr lang="zh-CN" altLang="en-US"/>
           </a:p>
@@ -5219,7 +5219,7 @@
           <a:p>
             <a:fld id="{760FBDFE-C587-4B4C-A407-44438C67B59E}" type="datetimeFigureOut">
               <a:rPr lang="zh-CN" altLang="en-US" smtClean="0"/>
-              <a:t>2020/3/23</a:t>
+              <a:t>2020/4/29</a:t>
             </a:fld>
             <a:endParaRPr lang="zh-CN" altLang="en-US"/>
           </a:p>
@@ -5362,7 +5362,7 @@
           <a:p>
             <a:fld id="{760FBDFE-C587-4B4C-A407-44438C67B59E}" type="datetimeFigureOut">
               <a:rPr lang="zh-CN" altLang="en-US" smtClean="0"/>
-              <a:t>2020/3/23</a:t>
+              <a:t>2020/4/29</a:t>
             </a:fld>
             <a:endParaRPr lang="zh-CN" altLang="en-US"/>
           </a:p>
@@ -5636,7 +5636,7 @@
           <a:p>
             <a:fld id="{9EFD9D74-47D9-4702-A33C-335B63B48DBF}" type="datetimeFigureOut">
               <a:rPr lang="zh-CN" altLang="en-US" smtClean="0"/>
-              <a:t>2020/3/23</a:t>
+              <a:t>2020/4/29</a:t>
             </a:fld>
             <a:endParaRPr lang="zh-CN" altLang="en-US" dirty="0"/>
           </a:p>
@@ -5851,7 +5851,7 @@
           <a:p>
             <a:fld id="{760FBDFE-C587-4B4C-A407-44438C67B59E}" type="datetimeFigureOut">
               <a:rPr lang="zh-CN" altLang="en-US" smtClean="0"/>
-              <a:t>2020/3/23</a:t>
+              <a:t>2020/4/29</a:t>
             </a:fld>
             <a:endParaRPr lang="zh-CN" altLang="en-US"/>
           </a:p>
@@ -6074,7 +6074,7 @@
                 <a:ea typeface="宋体" panose="02010600030101010101" pitchFamily="2" charset="-122"/>
                 <a:cs typeface="+mn-cs"/>
               </a:rPr>
-              <a:t>2020/3/23</a:t>
+              <a:t>2020/4/29</a:t>
             </a:fld>
             <a:endParaRPr lang="zh-CN" altLang="en-US" strike="noStrike" noProof="1"/>
           </a:p>
@@ -6204,7 +6204,7 @@
           <a:p>
             <a:fld id="{760FBDFE-C587-4B4C-A407-44438C67B59E}" type="datetimeFigureOut">
               <a:rPr lang="zh-CN" altLang="en-US" smtClean="0"/>
-              <a:t>2020/3/23</a:t>
+              <a:t>2020/4/29</a:t>
             </a:fld>
             <a:endParaRPr lang="zh-CN" altLang="en-US"/>
           </a:p>
@@ -6476,7 +6476,7 @@
                 <a:ea typeface="宋体" panose="02010600030101010101" pitchFamily="2" charset="-122"/>
                 <a:cs typeface="+mn-cs"/>
               </a:rPr>
-              <a:t>2020/3/23</a:t>
+              <a:t>2020/4/29</a:t>
             </a:fld>
             <a:endParaRPr lang="zh-CN" altLang="en-US" strike="noStrike" noProof="1"/>
           </a:p>
@@ -6768,7 +6768,7 @@
                 <a:ea typeface="宋体" panose="02010600030101010101" pitchFamily="2" charset="-122"/>
                 <a:cs typeface="+mn-cs"/>
               </a:rPr>
-              <a:t>2020/3/23</a:t>
+              <a:t>2020/4/29</a:t>
             </a:fld>
             <a:endParaRPr lang="zh-CN" altLang="en-US" strike="noStrike" noProof="1"/>
           </a:p>
@@ -7199,7 +7199,7 @@
                 <a:ea typeface="宋体" panose="02010600030101010101" pitchFamily="2" charset="-122"/>
                 <a:cs typeface="+mn-cs"/>
               </a:rPr>
-              <a:t>2020/3/23</a:t>
+              <a:t>2020/4/29</a:t>
             </a:fld>
             <a:endParaRPr lang="zh-CN" altLang="en-US" strike="noStrike" noProof="1"/>
           </a:p>
@@ -7589,7 +7589,7 @@
                 <a:ea typeface="宋体" panose="02010600030101010101" pitchFamily="2" charset="-122"/>
                 <a:cs typeface="+mn-cs"/>
               </a:rPr>
-              <a:t>2020/3/23</a:t>
+              <a:t>2020/4/29</a:t>
             </a:fld>
             <a:endParaRPr lang="zh-CN" altLang="en-US" strike="noStrike" noProof="1"/>
           </a:p>
@@ -7740,7 +7740,7 @@
                 <a:ea typeface="宋体" panose="02010600030101010101" pitchFamily="2" charset="-122"/>
                 <a:cs typeface="+mn-cs"/>
               </a:rPr>
-              <a:t>2020/3/23</a:t>
+              <a:t>2020/4/29</a:t>
             </a:fld>
             <a:endParaRPr lang="zh-CN" altLang="en-US" strike="noStrike" noProof="1"/>
           </a:p>
@@ -8057,7 +8057,7 @@
                 <a:ea typeface="宋体" panose="02010600030101010101" pitchFamily="2" charset="-122"/>
                 <a:cs typeface="+mn-cs"/>
               </a:rPr>
-              <a:t>2020/3/23</a:t>
+              <a:t>2020/4/29</a:t>
             </a:fld>
             <a:endParaRPr lang="zh-CN" altLang="en-US" strike="noStrike" noProof="1"/>
           </a:p>
@@ -8316,7 +8316,7 @@
                 <a:ea typeface="宋体" panose="02010600030101010101" pitchFamily="2" charset="-122"/>
                 <a:cs typeface="+mn-cs"/>
               </a:rPr>
-              <a:t>2020/3/23</a:t>
+              <a:t>2020/4/29</a:t>
             </a:fld>
             <a:endParaRPr lang="zh-CN" altLang="en-US" strike="noStrike" noProof="1"/>
           </a:p>
@@ -8580,7 +8580,7 @@
                 <a:ea typeface="宋体" panose="02010600030101010101" pitchFamily="2" charset="-122"/>
                 <a:cs typeface="+mn-cs"/>
               </a:rPr>
-              <a:t>2020/3/23</a:t>
+              <a:t>2020/4/29</a:t>
             </a:fld>
             <a:endParaRPr lang="zh-CN" altLang="en-US" strike="noStrike" noProof="1"/>
           </a:p>
@@ -9205,7 +9205,7 @@
           <a:p>
             <a:fld id="{760FBDFE-C587-4B4C-A407-44438C67B59E}" type="datetimeFigureOut">
               <a:rPr lang="zh-CN" altLang="en-US" smtClean="0"/>
-              <a:t>2020/3/23</a:t>
+              <a:t>2020/4/29</a:t>
             </a:fld>
             <a:endParaRPr lang="zh-CN" altLang="en-US"/>
           </a:p>
